--- a/Final PRC/Final PRC.pptx
+++ b/Final PRC/Final PRC.pptx
@@ -294,7 +294,7 @@
           <a:p>
             <a:fld id="{1D8BD707-D9CF-40AE-B4C6-C98DA3205C09}" type="datetimeFigureOut">
               <a:rPr lang="en-US"/>
-              <a:t>6/4/2021</a:t>
+              <a:t>6/17/2021</a:t>
             </a:fld>
             <a:endParaRPr lang="en-US"/>
           </a:p>
@@ -469,7 +469,7 @@
           <a:p>
             <a:fld id="{1D8BD707-D9CF-40AE-B4C6-C98DA3205C09}" type="datetimeFigureOut">
               <a:rPr lang="en-US"/>
-              <a:t>6/4/2021</a:t>
+              <a:t>6/17/2021</a:t>
             </a:fld>
             <a:endParaRPr lang="en-US"/>
           </a:p>
@@ -683,7 +683,7 @@
           <a:p>
             <a:fld id="{1D8BD707-D9CF-40AE-B4C6-C98DA3205C09}" type="datetimeFigureOut">
               <a:rPr lang="en-US"/>
-              <a:t>6/4/2021</a:t>
+              <a:t>6/17/2021</a:t>
             </a:fld>
             <a:endParaRPr lang="en-US"/>
           </a:p>
@@ -831,7 +831,7 @@
           <a:p>
             <a:fld id="{1D8BD707-D9CF-40AE-B4C6-C98DA3205C09}" type="datetimeFigureOut">
               <a:rPr lang="en-US"/>
-              <a:t>6/4/2021</a:t>
+              <a:t>6/17/2021</a:t>
             </a:fld>
             <a:endParaRPr lang="en-US"/>
           </a:p>
@@ -987,7 +987,7 @@
           <a:p>
             <a:fld id="{1D8BD707-D9CF-40AE-B4C6-C98DA3205C09}" type="datetimeFigureOut">
               <a:rPr lang="en-US"/>
-              <a:t>6/4/2021</a:t>
+              <a:t>6/17/2021</a:t>
             </a:fld>
             <a:endParaRPr lang="en-US"/>
           </a:p>
@@ -1210,7 +1210,7 @@
           <a:p>
             <a:fld id="{1D8BD707-D9CF-40AE-B4C6-C98DA3205C09}" type="datetimeFigureOut">
               <a:rPr lang="en-US"/>
-              <a:t>6/4/2021</a:t>
+              <a:t>6/17/2021</a:t>
             </a:fld>
             <a:endParaRPr lang="en-US"/>
           </a:p>
@@ -2271,7 +2271,7 @@
         <p:spPr>
           <a:xfrm>
             <a:off x="1854200" y="6858000"/>
-            <a:ext cx="5622052" cy="1938992"/>
+            <a:ext cx="4979248" cy="1938992"/>
           </a:xfrm>
           <a:prstGeom prst="rect">
             <a:avLst/>
@@ -2293,8 +2293,19 @@
                 <a:latin typeface="Times New Roman" panose="02020603050405020304" pitchFamily="18" charset="0"/>
                 <a:cs typeface="Times New Roman" panose="02020603050405020304" pitchFamily="18" charset="0"/>
               </a:rPr>
-              <a:t>Practical measuring distance – 13.56MHz</a:t>
-            </a:r>
+              <a:t>Practical measuring distance </a:t>
+            </a:r>
+            <a:r>
+              <a:rPr lang="en-US" sz="2400">
+                <a:latin typeface="Times New Roman" panose="02020603050405020304" pitchFamily="18" charset="0"/>
+                <a:cs typeface="Times New Roman" panose="02020603050405020304" pitchFamily="18" charset="0"/>
+              </a:rPr>
+              <a:t>– 80cm</a:t>
+            </a:r>
+            <a:endParaRPr lang="en-US" sz="2400" dirty="0">
+              <a:latin typeface="Times New Roman" panose="02020603050405020304" pitchFamily="18" charset="0"/>
+              <a:cs typeface="Times New Roman" panose="02020603050405020304" pitchFamily="18" charset="0"/>
+            </a:endParaRPr>
           </a:p>
           <a:p>
             <a:pPr marL="285750" indent="-285750">
@@ -2925,7 +2936,7 @@
                 <a:latin typeface="Times New Roman" panose="02020603050405020304" pitchFamily="18" charset="0"/>
                 <a:cs typeface="Times New Roman" panose="02020603050405020304" pitchFamily="18" charset="0"/>
               </a:rPr>
-              <a:t>Operating voltage – 5V</a:t>
+              <a:t>Operating voltage – 3.3V</a:t>
             </a:r>
           </a:p>
           <a:p>
